--- a/Expos/Espinoza_ProgramaciónOrientadaObjetos.pptx
+++ b/Expos/Espinoza_ProgramaciónOrientadaObjetos.pptx
@@ -6,6 +6,15 @@
   </p:sldMasterIdLst>
   <p:sldIdLst>
     <p:sldId id="256" r:id="rId2"/>
+    <p:sldId id="260" r:id="rId3"/>
+    <p:sldId id="257" r:id="rId4"/>
+    <p:sldId id="258" r:id="rId5"/>
+    <p:sldId id="259" r:id="rId6"/>
+    <p:sldId id="263" r:id="rId7"/>
+    <p:sldId id="261" r:id="rId8"/>
+    <p:sldId id="262" r:id="rId9"/>
+    <p:sldId id="264" r:id="rId10"/>
+    <p:sldId id="265" r:id="rId11"/>
   </p:sldIdLst>
   <p:sldSz cx="9144000" cy="6858000" type="screen4x3"/>
   <p:notesSz cx="6858000" cy="9144000"/>
@@ -104,6 +113,11 @@
       </a:defRPr>
     </a:lvl9pPr>
   </p:defaultTextStyle>
+  <p:extLst>
+    <p:ext uri="{EFAFB233-063F-42B5-8137-9DF3F51BA10A}">
+      <p15:sldGuideLst xmlns:p15="http://schemas.microsoft.com/office/powerpoint/2012/main"/>
+    </p:ext>
+  </p:extLst>
 </p:presentation>
 </file>
 
@@ -443,7 +457,7 @@
             <a:fld id="{B61BEF0D-F0BB-DE4B-95CE-6DB70DBA9567}" type="datetimeFigureOut">
               <a:rPr lang="en-US" smtClean="0"/>
               <a:pPr/>
-              <a:t>9/10/2017</a:t>
+              <a:t>9/21/2017</a:t>
             </a:fld>
             <a:endParaRPr lang="en-US" dirty="0"/>
           </a:p>
@@ -769,7 +783,7 @@
             <a:fld id="{B61BEF0D-F0BB-DE4B-95CE-6DB70DBA9567}" type="datetimeFigureOut">
               <a:rPr lang="en-US" smtClean="0"/>
               <a:pPr/>
-              <a:t>9/10/2017</a:t>
+              <a:t>9/21/2017</a:t>
             </a:fld>
             <a:endParaRPr lang="en-US" dirty="0"/>
           </a:p>
@@ -1019,7 +1033,7 @@
             <a:fld id="{B61BEF0D-F0BB-DE4B-95CE-6DB70DBA9567}" type="datetimeFigureOut">
               <a:rPr lang="en-US" smtClean="0"/>
               <a:pPr/>
-              <a:t>9/10/2017</a:t>
+              <a:t>9/21/2017</a:t>
             </a:fld>
             <a:endParaRPr lang="en-US" dirty="0"/>
           </a:p>
@@ -1360,7 +1374,7 @@
             <a:fld id="{B61BEF0D-F0BB-DE4B-95CE-6DB70DBA9567}" type="datetimeFigureOut">
               <a:rPr lang="en-US" smtClean="0"/>
               <a:pPr/>
-              <a:t>9/10/2017</a:t>
+              <a:t>9/21/2017</a:t>
             </a:fld>
             <a:endParaRPr lang="en-US" dirty="0"/>
           </a:p>
@@ -1709,7 +1723,7 @@
             <a:fld id="{B61BEF0D-F0BB-DE4B-95CE-6DB70DBA9567}" type="datetimeFigureOut">
               <a:rPr lang="en-US" smtClean="0"/>
               <a:pPr/>
-              <a:t>9/10/2017</a:t>
+              <a:t>9/21/2017</a:t>
             </a:fld>
             <a:endParaRPr lang="en-US" dirty="0"/>
           </a:p>
@@ -2085,7 +2099,7 @@
             <a:fld id="{B61BEF0D-F0BB-DE4B-95CE-6DB70DBA9567}" type="datetimeFigureOut">
               <a:rPr lang="en-US" smtClean="0"/>
               <a:pPr/>
-              <a:t>9/10/2017</a:t>
+              <a:t>9/21/2017</a:t>
             </a:fld>
             <a:endParaRPr lang="en-US" dirty="0"/>
           </a:p>
@@ -2557,7 +2571,7 @@
             <a:fld id="{B61BEF0D-F0BB-DE4B-95CE-6DB70DBA9567}" type="datetimeFigureOut">
               <a:rPr lang="en-US" smtClean="0"/>
               <a:pPr/>
-              <a:t>9/10/2017</a:t>
+              <a:t>9/21/2017</a:t>
             </a:fld>
             <a:endParaRPr lang="en-US" dirty="0"/>
           </a:p>
@@ -2769,7 +2783,7 @@
             <a:fld id="{B61BEF0D-F0BB-DE4B-95CE-6DB70DBA9567}" type="datetimeFigureOut">
               <a:rPr lang="en-US" smtClean="0"/>
               <a:pPr/>
-              <a:t>9/10/2017</a:t>
+              <a:t>9/21/2017</a:t>
             </a:fld>
             <a:endParaRPr lang="en-US" dirty="0"/>
           </a:p>
@@ -2982,7 +2996,7 @@
             <a:fld id="{B61BEF0D-F0BB-DE4B-95CE-6DB70DBA9567}" type="datetimeFigureOut">
               <a:rPr lang="en-US" smtClean="0"/>
               <a:pPr/>
-              <a:t>9/10/2017</a:t>
+              <a:t>9/21/2017</a:t>
             </a:fld>
             <a:endParaRPr lang="en-US" dirty="0"/>
           </a:p>
@@ -3215,7 +3229,7 @@
           <a:p>
             <a:fld id="{05BFA754-D5C3-4E66-96A6-867B257F58DC}" type="datetimeFigureOut">
               <a:rPr lang="en-US" smtClean="0"/>
-              <a:t>9/10/2017</a:t>
+              <a:t>9/21/2017</a:t>
             </a:fld>
             <a:endParaRPr lang="en-US" dirty="0"/>
           </a:p>
@@ -3464,7 +3478,7 @@
             <a:fld id="{B61BEF0D-F0BB-DE4B-95CE-6DB70DBA9567}" type="datetimeFigureOut">
               <a:rPr lang="en-US" smtClean="0"/>
               <a:pPr/>
-              <a:t>9/10/2017</a:t>
+              <a:t>9/21/2017</a:t>
             </a:fld>
             <a:endParaRPr lang="en-US" dirty="0"/>
           </a:p>
@@ -3768,7 +3782,7 @@
           <a:p>
             <a:fld id="{05BFA754-D5C3-4E66-96A6-867B257F58DC}" type="datetimeFigureOut">
               <a:rPr lang="en-US" smtClean="0"/>
-              <a:t>9/10/2017</a:t>
+              <a:t>9/21/2017</a:t>
             </a:fld>
             <a:endParaRPr lang="en-US" dirty="0"/>
           </a:p>
@@ -4151,7 +4165,7 @@
             <a:fld id="{B61BEF0D-F0BB-DE4B-95CE-6DB70DBA9567}" type="datetimeFigureOut">
               <a:rPr lang="en-US" smtClean="0"/>
               <a:pPr/>
-              <a:t>9/10/2017</a:t>
+              <a:t>9/21/2017</a:t>
             </a:fld>
             <a:endParaRPr lang="en-US" dirty="0"/>
           </a:p>
@@ -4307,7 +4321,7 @@
             <a:fld id="{B61BEF0D-F0BB-DE4B-95CE-6DB70DBA9567}" type="datetimeFigureOut">
               <a:rPr lang="en-US" smtClean="0"/>
               <a:pPr/>
-              <a:t>9/10/2017</a:t>
+              <a:t>9/21/2017</a:t>
             </a:fld>
             <a:endParaRPr lang="en-US" dirty="0"/>
           </a:p>
@@ -4435,7 +4449,7 @@
             <a:fld id="{B61BEF0D-F0BB-DE4B-95CE-6DB70DBA9567}" type="datetimeFigureOut">
               <a:rPr lang="en-US" smtClean="0"/>
               <a:pPr/>
-              <a:t>9/10/2017</a:t>
+              <a:t>9/21/2017</a:t>
             </a:fld>
             <a:endParaRPr lang="en-US" dirty="0"/>
           </a:p>
@@ -4692,7 +4706,7 @@
             <a:fld id="{B61BEF0D-F0BB-DE4B-95CE-6DB70DBA9567}" type="datetimeFigureOut">
               <a:rPr lang="en-US" smtClean="0"/>
               <a:pPr/>
-              <a:t>9/10/2017</a:t>
+              <a:t>9/21/2017</a:t>
             </a:fld>
             <a:endParaRPr lang="en-US" dirty="0"/>
           </a:p>
@@ -5008,7 +5022,7 @@
             <a:fld id="{B61BEF0D-F0BB-DE4B-95CE-6DB70DBA9567}" type="datetimeFigureOut">
               <a:rPr lang="en-US" smtClean="0"/>
               <a:pPr/>
-              <a:t>9/10/2017</a:t>
+              <a:t>9/21/2017</a:t>
             </a:fld>
             <a:endParaRPr lang="en-US" dirty="0"/>
           </a:p>
@@ -5361,7 +5375,7 @@
             <a:fld id="{B61BEF0D-F0BB-DE4B-95CE-6DB70DBA9567}" type="datetimeFigureOut">
               <a:rPr lang="en-US" smtClean="0"/>
               <a:pPr/>
-              <a:t>9/10/2017</a:t>
+              <a:t>9/21/2017</a:t>
             </a:fld>
             <a:endParaRPr lang="en-US" dirty="0"/>
           </a:p>
@@ -5982,6 +5996,1444 @@
 </p:sld>
 </file>
 
+<file path=ppt/slides/slide10.xml><?xml version="1.0" encoding="utf-8"?>
+<p:sld xmlns:a="http://schemas.openxmlformats.org/drawingml/2006/main" xmlns:r="http://schemas.openxmlformats.org/officeDocument/2006/relationships" xmlns:p="http://schemas.openxmlformats.org/presentationml/2006/main">
+  <p:cSld>
+    <p:spTree>
+      <p:nvGrpSpPr>
+        <p:cNvPr id="1" name=""/>
+        <p:cNvGrpSpPr/>
+        <p:nvPr/>
+      </p:nvGrpSpPr>
+      <p:grpSpPr>
+        <a:xfrm>
+          <a:off x="0" y="0"/>
+          <a:ext cx="0" cy="0"/>
+          <a:chOff x="0" y="0"/>
+          <a:chExt cx="0" cy="0"/>
+        </a:xfrm>
+      </p:grpSpPr>
+      <p:sp>
+        <p:nvSpPr>
+          <p:cNvPr id="2" name="Title 1">
+            <a:extLst>
+              <a:ext uri="{FF2B5EF4-FFF2-40B4-BE49-F238E27FC236}">
+                <a16:creationId xmlns:a16="http://schemas.microsoft.com/office/drawing/2014/main" id="{0C349FF4-3213-4566-B0B3-F4261FA67AB8}"/>
+              </a:ext>
+            </a:extLst>
+          </p:cNvPr>
+          <p:cNvSpPr>
+            <a:spLocks noGrp="1"/>
+          </p:cNvSpPr>
+          <p:nvPr>
+            <p:ph type="title"/>
+          </p:nvPr>
+        </p:nvSpPr>
+        <p:spPr/>
+        <p:txBody>
+          <a:bodyPr/>
+          <a:lstStyle/>
+          <a:p>
+            <a:r>
+              <a:rPr lang="es-419" dirty="0"/>
+              <a:t>Aplicaciones</a:t>
+            </a:r>
+          </a:p>
+        </p:txBody>
+      </p:sp>
+      <p:sp>
+        <p:nvSpPr>
+          <p:cNvPr id="3" name="Content Placeholder 2">
+            <a:extLst>
+              <a:ext uri="{FF2B5EF4-FFF2-40B4-BE49-F238E27FC236}">
+                <a16:creationId xmlns:a16="http://schemas.microsoft.com/office/drawing/2014/main" id="{151CA4B4-EAD6-44B8-81EC-4B0B45310427}"/>
+              </a:ext>
+            </a:extLst>
+          </p:cNvPr>
+          <p:cNvSpPr>
+            <a:spLocks noGrp="1"/>
+          </p:cNvSpPr>
+          <p:nvPr>
+            <p:ph idx="1"/>
+          </p:nvPr>
+        </p:nvSpPr>
+        <p:spPr/>
+        <p:txBody>
+          <a:bodyPr>
+            <a:normAutofit/>
+          </a:bodyPr>
+          <a:lstStyle/>
+          <a:p>
+            <a:r>
+              <a:rPr lang="es-419" dirty="0"/>
+              <a:t>Respondiendo a las solicitudes en un recurso compartido, impresoras, clúster, o servidores. </a:t>
+            </a:r>
+          </a:p>
+          <a:p>
+            <a:r>
+              <a:rPr lang="es-419" dirty="0"/>
+              <a:t>Sistemas de llamadas de los </a:t>
+            </a:r>
+            <a:r>
+              <a:rPr lang="es-419" dirty="0" err="1"/>
+              <a:t>Call</a:t>
+            </a:r>
+            <a:r>
+              <a:rPr lang="es-419" dirty="0"/>
+              <a:t> Centers</a:t>
+            </a:r>
+          </a:p>
+          <a:p>
+            <a:r>
+              <a:rPr lang="es-419" dirty="0"/>
+              <a:t>Uber, lista de búsqueda para asignar un auto.</a:t>
+            </a:r>
+          </a:p>
+        </p:txBody>
+      </p:sp>
+    </p:spTree>
+    <p:extLst>
+      <p:ext uri="{BB962C8B-B14F-4D97-AF65-F5344CB8AC3E}">
+        <p14:creationId xmlns:p14="http://schemas.microsoft.com/office/powerpoint/2010/main" val="2271378704"/>
+      </p:ext>
+    </p:extLst>
+  </p:cSld>
+  <p:clrMapOvr>
+    <a:masterClrMapping/>
+  </p:clrMapOvr>
+</p:sld>
+</file>
+
+<file path=ppt/slides/slide2.xml><?xml version="1.0" encoding="utf-8"?>
+<p:sld xmlns:a="http://schemas.openxmlformats.org/drawingml/2006/main" xmlns:r="http://schemas.openxmlformats.org/officeDocument/2006/relationships" xmlns:p="http://schemas.openxmlformats.org/presentationml/2006/main">
+  <p:cSld>
+    <p:spTree>
+      <p:nvGrpSpPr>
+        <p:cNvPr id="1" name=""/>
+        <p:cNvGrpSpPr/>
+        <p:nvPr/>
+      </p:nvGrpSpPr>
+      <p:grpSpPr>
+        <a:xfrm>
+          <a:off x="0" y="0"/>
+          <a:ext cx="0" cy="0"/>
+          <a:chOff x="0" y="0"/>
+          <a:chExt cx="0" cy="0"/>
+        </a:xfrm>
+      </p:grpSpPr>
+      <p:sp>
+        <p:nvSpPr>
+          <p:cNvPr id="2" name="Title 1">
+            <a:extLst>
+              <a:ext uri="{FF2B5EF4-FFF2-40B4-BE49-F238E27FC236}">
+                <a16:creationId xmlns:a16="http://schemas.microsoft.com/office/drawing/2014/main" id="{73A414E6-30A5-41D0-B622-55A261958981}"/>
+              </a:ext>
+            </a:extLst>
+          </p:cNvPr>
+          <p:cNvSpPr>
+            <a:spLocks noGrp="1"/>
+          </p:cNvSpPr>
+          <p:nvPr>
+            <p:ph type="title"/>
+          </p:nvPr>
+        </p:nvSpPr>
+        <p:spPr/>
+        <p:txBody>
+          <a:bodyPr/>
+          <a:lstStyle/>
+          <a:p>
+            <a:r>
+              <a:rPr lang="en-US" dirty="0"/>
+              <a:t>POO</a:t>
+            </a:r>
+            <a:endParaRPr lang="es-419" dirty="0"/>
+          </a:p>
+        </p:txBody>
+      </p:sp>
+      <p:sp>
+        <p:nvSpPr>
+          <p:cNvPr id="3" name="Content Placeholder 2">
+            <a:extLst>
+              <a:ext uri="{FF2B5EF4-FFF2-40B4-BE49-F238E27FC236}">
+                <a16:creationId xmlns:a16="http://schemas.microsoft.com/office/drawing/2014/main" id="{20E0BC42-DC57-4197-BA3D-DECBD1F70A86}"/>
+              </a:ext>
+            </a:extLst>
+          </p:cNvPr>
+          <p:cNvSpPr>
+            <a:spLocks noGrp="1"/>
+          </p:cNvSpPr>
+          <p:nvPr>
+            <p:ph idx="1"/>
+          </p:nvPr>
+        </p:nvSpPr>
+        <p:spPr/>
+        <p:txBody>
+          <a:bodyPr>
+            <a:normAutofit/>
+          </a:bodyPr>
+          <a:lstStyle/>
+          <a:p>
+            <a:r>
+              <a:rPr lang="es-419" dirty="0"/>
+              <a:t>Es un paradigma de programación,</a:t>
+            </a:r>
+          </a:p>
+          <a:p>
+            <a:r>
+              <a:rPr lang="es-419" dirty="0"/>
+              <a:t>Basado en el concepto de “objetos”, los cuales contienen información en la forma de campos, llamados </a:t>
+            </a:r>
+            <a:r>
+              <a:rPr lang="es-419" i="1" dirty="0"/>
+              <a:t>atributos</a:t>
+            </a:r>
+            <a:r>
+              <a:rPr lang="es-419" dirty="0"/>
+              <a:t> y código, en la forma de funciones, llamados </a:t>
+            </a:r>
+            <a:r>
+              <a:rPr lang="es-419" i="1" dirty="0"/>
+              <a:t>métodos</a:t>
+            </a:r>
+            <a:r>
+              <a:rPr lang="es-419" dirty="0"/>
+              <a:t>.</a:t>
+            </a:r>
+          </a:p>
+        </p:txBody>
+      </p:sp>
+    </p:spTree>
+    <p:extLst>
+      <p:ext uri="{BB962C8B-B14F-4D97-AF65-F5344CB8AC3E}">
+        <p14:creationId xmlns:p14="http://schemas.microsoft.com/office/powerpoint/2010/main" val="3952590120"/>
+      </p:ext>
+    </p:extLst>
+  </p:cSld>
+  <p:clrMapOvr>
+    <a:masterClrMapping/>
+  </p:clrMapOvr>
+</p:sld>
+</file>
+
+<file path=ppt/slides/slide3.xml><?xml version="1.0" encoding="utf-8"?>
+<p:sld xmlns:a="http://schemas.openxmlformats.org/drawingml/2006/main" xmlns:r="http://schemas.openxmlformats.org/officeDocument/2006/relationships" xmlns:p="http://schemas.openxmlformats.org/presentationml/2006/main">
+  <p:cSld>
+    <p:spTree>
+      <p:nvGrpSpPr>
+        <p:cNvPr id="1" name=""/>
+        <p:cNvGrpSpPr/>
+        <p:nvPr/>
+      </p:nvGrpSpPr>
+      <p:grpSpPr>
+        <a:xfrm>
+          <a:off x="0" y="0"/>
+          <a:ext cx="0" cy="0"/>
+          <a:chOff x="0" y="0"/>
+          <a:chExt cx="0" cy="0"/>
+        </a:xfrm>
+      </p:grpSpPr>
+      <p:sp>
+        <p:nvSpPr>
+          <p:cNvPr id="2" name="Title 1">
+            <a:extLst>
+              <a:ext uri="{FF2B5EF4-FFF2-40B4-BE49-F238E27FC236}">
+                <a16:creationId xmlns:a16="http://schemas.microsoft.com/office/drawing/2014/main" id="{673F2ABF-CA77-4640-B558-039CB45070BD}"/>
+              </a:ext>
+            </a:extLst>
+          </p:cNvPr>
+          <p:cNvSpPr>
+            <a:spLocks noGrp="1"/>
+          </p:cNvSpPr>
+          <p:nvPr>
+            <p:ph type="title"/>
+          </p:nvPr>
+        </p:nvSpPr>
+        <p:spPr>
+          <a:xfrm>
+            <a:off x="1176866" y="915337"/>
+            <a:ext cx="6798734" cy="1303867"/>
+          </a:xfrm>
+        </p:spPr>
+        <p:txBody>
+          <a:bodyPr/>
+          <a:lstStyle/>
+          <a:p>
+            <a:r>
+              <a:rPr lang="es-419" dirty="0"/>
+              <a:t>Simula</a:t>
+            </a:r>
+          </a:p>
+        </p:txBody>
+      </p:sp>
+      <p:sp>
+        <p:nvSpPr>
+          <p:cNvPr id="3" name="Content Placeholder 2">
+            <a:extLst>
+              <a:ext uri="{FF2B5EF4-FFF2-40B4-BE49-F238E27FC236}">
+                <a16:creationId xmlns:a16="http://schemas.microsoft.com/office/drawing/2014/main" id="{C56EDA50-4421-4B98-BADC-7B0505E27551}"/>
+              </a:ext>
+            </a:extLst>
+          </p:cNvPr>
+          <p:cNvSpPr>
+            <a:spLocks noGrp="1"/>
+          </p:cNvSpPr>
+          <p:nvPr>
+            <p:ph idx="1"/>
+          </p:nvPr>
+        </p:nvSpPr>
+        <p:spPr>
+          <a:xfrm>
+            <a:off x="1176865" y="2490135"/>
+            <a:ext cx="6798736" cy="3444997"/>
+          </a:xfrm>
+        </p:spPr>
+        <p:txBody>
+          <a:bodyPr>
+            <a:normAutofit/>
+          </a:bodyPr>
+          <a:lstStyle/>
+          <a:p>
+            <a:r>
+              <a:rPr lang="es-419" dirty="0"/>
+              <a:t>Simula 1 y Simula 67, desarrollado en los 60 en el centro de computación de Noruega en Oslo</a:t>
+            </a:r>
+          </a:p>
+          <a:p>
+            <a:r>
+              <a:rPr lang="es-419" dirty="0"/>
+              <a:t>Modela de procesos, protocolos, algoritmos y otras aplicaciones como gráficos de computadora y educación.</a:t>
+            </a:r>
+          </a:p>
+        </p:txBody>
+      </p:sp>
+      <p:pic>
+        <p:nvPicPr>
+          <p:cNvPr id="5" name="Picture 4">
+            <a:extLst>
+              <a:ext uri="{FF2B5EF4-FFF2-40B4-BE49-F238E27FC236}">
+                <a16:creationId xmlns:a16="http://schemas.microsoft.com/office/drawing/2014/main" id="{7A944B36-2D45-488E-BA58-5A70C86ADF75}"/>
+              </a:ext>
+            </a:extLst>
+          </p:cNvPr>
+          <p:cNvPicPr>
+            <a:picLocks noChangeAspect="1"/>
+          </p:cNvPicPr>
+          <p:nvPr/>
+        </p:nvPicPr>
+        <p:blipFill>
+          <a:blip r:embed="rId2"/>
+          <a:stretch>
+            <a:fillRect/>
+          </a:stretch>
+        </p:blipFill>
+        <p:spPr>
+          <a:xfrm>
+            <a:off x="3245941" y="4307359"/>
+            <a:ext cx="4792466" cy="1895686"/>
+          </a:xfrm>
+          <a:prstGeom prst="rect">
+            <a:avLst/>
+          </a:prstGeom>
+        </p:spPr>
+      </p:pic>
+    </p:spTree>
+    <p:extLst>
+      <p:ext uri="{BB962C8B-B14F-4D97-AF65-F5344CB8AC3E}">
+        <p14:creationId xmlns:p14="http://schemas.microsoft.com/office/powerpoint/2010/main" val="4291203566"/>
+      </p:ext>
+    </p:extLst>
+  </p:cSld>
+  <p:clrMapOvr>
+    <a:masterClrMapping/>
+  </p:clrMapOvr>
+</p:sld>
+</file>
+
+<file path=ppt/slides/slide4.xml><?xml version="1.0" encoding="utf-8"?>
+<p:sld xmlns:a="http://schemas.openxmlformats.org/drawingml/2006/main" xmlns:r="http://schemas.openxmlformats.org/officeDocument/2006/relationships" xmlns:p="http://schemas.openxmlformats.org/presentationml/2006/main">
+  <p:cSld>
+    <p:spTree>
+      <p:nvGrpSpPr>
+        <p:cNvPr id="1" name=""/>
+        <p:cNvGrpSpPr/>
+        <p:nvPr/>
+      </p:nvGrpSpPr>
+      <p:grpSpPr>
+        <a:xfrm>
+          <a:off x="0" y="0"/>
+          <a:ext cx="0" cy="0"/>
+          <a:chOff x="0" y="0"/>
+          <a:chExt cx="0" cy="0"/>
+        </a:xfrm>
+      </p:grpSpPr>
+      <p:sp>
+        <p:nvSpPr>
+          <p:cNvPr id="2" name="Title 1">
+            <a:extLst>
+              <a:ext uri="{FF2B5EF4-FFF2-40B4-BE49-F238E27FC236}">
+                <a16:creationId xmlns:a16="http://schemas.microsoft.com/office/drawing/2014/main" id="{0AA3DBD8-46DD-4C54-BAF2-18361E1D00DB}"/>
+              </a:ext>
+            </a:extLst>
+          </p:cNvPr>
+          <p:cNvSpPr>
+            <a:spLocks noGrp="1"/>
+          </p:cNvSpPr>
+          <p:nvPr>
+            <p:ph type="title"/>
+          </p:nvPr>
+        </p:nvSpPr>
+        <p:spPr/>
+        <p:txBody>
+          <a:bodyPr/>
+          <a:lstStyle/>
+          <a:p>
+            <a:r>
+              <a:rPr lang="es-419" dirty="0"/>
+              <a:t>Introdujo:</a:t>
+            </a:r>
+          </a:p>
+        </p:txBody>
+      </p:sp>
+      <p:sp>
+        <p:nvSpPr>
+          <p:cNvPr id="3" name="Content Placeholder 2">
+            <a:extLst>
+              <a:ext uri="{FF2B5EF4-FFF2-40B4-BE49-F238E27FC236}">
+                <a16:creationId xmlns:a16="http://schemas.microsoft.com/office/drawing/2014/main" id="{C6EA10FE-E283-422F-9FAB-0851E44525C7}"/>
+              </a:ext>
+            </a:extLst>
+          </p:cNvPr>
+          <p:cNvSpPr>
+            <a:spLocks noGrp="1"/>
+          </p:cNvSpPr>
+          <p:nvPr>
+            <p:ph idx="1"/>
+          </p:nvPr>
+        </p:nvSpPr>
+        <p:spPr/>
+        <p:txBody>
+          <a:bodyPr>
+            <a:normAutofit/>
+          </a:bodyPr>
+          <a:lstStyle/>
+          <a:p>
+            <a:r>
+              <a:rPr lang="es-419" dirty="0"/>
+              <a:t>Objetos</a:t>
+            </a:r>
+          </a:p>
+          <a:p>
+            <a:r>
+              <a:rPr lang="es-419" dirty="0"/>
+              <a:t>Clases</a:t>
+            </a:r>
+          </a:p>
+          <a:p>
+            <a:r>
+              <a:rPr lang="en-US" dirty="0"/>
+              <a:t>A</a:t>
+            </a:r>
+            <a:r>
+              <a:rPr lang="es-419" dirty="0" err="1"/>
+              <a:t>bstracción</a:t>
+            </a:r>
+            <a:endParaRPr lang="es-419" dirty="0"/>
+          </a:p>
+          <a:p>
+            <a:r>
+              <a:rPr lang="es-419" dirty="0"/>
+              <a:t>Herencia</a:t>
+            </a:r>
+          </a:p>
+          <a:p>
+            <a:r>
+              <a:rPr lang="es-419" dirty="0"/>
+              <a:t>Ocultamiento</a:t>
+            </a:r>
+          </a:p>
+          <a:p>
+            <a:r>
+              <a:rPr lang="es-419" dirty="0"/>
+              <a:t>Colector de Basura</a:t>
+            </a:r>
+          </a:p>
+        </p:txBody>
+      </p:sp>
+    </p:spTree>
+    <p:extLst>
+      <p:ext uri="{BB962C8B-B14F-4D97-AF65-F5344CB8AC3E}">
+        <p14:creationId xmlns:p14="http://schemas.microsoft.com/office/powerpoint/2010/main" val="2077471622"/>
+      </p:ext>
+    </p:extLst>
+  </p:cSld>
+  <p:clrMapOvr>
+    <a:masterClrMapping/>
+  </p:clrMapOvr>
+</p:sld>
+</file>
+
+<file path=ppt/slides/slide5.xml><?xml version="1.0" encoding="utf-8"?>
+<p:sld xmlns:a="http://schemas.openxmlformats.org/drawingml/2006/main" xmlns:r="http://schemas.openxmlformats.org/officeDocument/2006/relationships" xmlns:p="http://schemas.openxmlformats.org/presentationml/2006/main">
+  <p:cSld>
+    <p:spTree>
+      <p:nvGrpSpPr>
+        <p:cNvPr id="1" name=""/>
+        <p:cNvGrpSpPr/>
+        <p:nvPr/>
+      </p:nvGrpSpPr>
+      <p:grpSpPr>
+        <a:xfrm>
+          <a:off x="0" y="0"/>
+          <a:ext cx="0" cy="0"/>
+          <a:chOff x="0" y="0"/>
+          <a:chExt cx="0" cy="0"/>
+        </a:xfrm>
+      </p:grpSpPr>
+      <p:sp>
+        <p:nvSpPr>
+          <p:cNvPr id="2" name="Title 1">
+            <a:extLst>
+              <a:ext uri="{FF2B5EF4-FFF2-40B4-BE49-F238E27FC236}">
+                <a16:creationId xmlns:a16="http://schemas.microsoft.com/office/drawing/2014/main" id="{08D1D3C6-E071-4291-AB03-86A17860F203}"/>
+              </a:ext>
+            </a:extLst>
+          </p:cNvPr>
+          <p:cNvSpPr>
+            <a:spLocks noGrp="1"/>
+          </p:cNvSpPr>
+          <p:nvPr>
+            <p:ph type="title"/>
+          </p:nvPr>
+        </p:nvSpPr>
+        <p:spPr/>
+        <p:txBody>
+          <a:bodyPr/>
+          <a:lstStyle/>
+          <a:p>
+            <a:r>
+              <a:rPr lang="es-419" dirty="0"/>
+              <a:t>Objetos y Clases</a:t>
+            </a:r>
+          </a:p>
+        </p:txBody>
+      </p:sp>
+      <p:sp>
+        <p:nvSpPr>
+          <p:cNvPr id="3" name="Content Placeholder 2">
+            <a:extLst>
+              <a:ext uri="{FF2B5EF4-FFF2-40B4-BE49-F238E27FC236}">
+                <a16:creationId xmlns:a16="http://schemas.microsoft.com/office/drawing/2014/main" id="{2686537D-8503-4507-B69F-9CC895CEAC60}"/>
+              </a:ext>
+            </a:extLst>
+          </p:cNvPr>
+          <p:cNvSpPr>
+            <a:spLocks noGrp="1"/>
+          </p:cNvSpPr>
+          <p:nvPr>
+            <p:ph idx="1"/>
+          </p:nvPr>
+        </p:nvSpPr>
+        <p:spPr/>
+        <p:txBody>
+          <a:bodyPr>
+            <a:normAutofit/>
+          </a:bodyPr>
+          <a:lstStyle/>
+          <a:p>
+            <a:r>
+              <a:rPr lang="es-419" dirty="0"/>
+              <a:t>Objetos. Usados para simular cosas de la vida real. Los objetos se describen nombrando sus características (atributos) y definiendo su comportamiento (métodos).</a:t>
+            </a:r>
+          </a:p>
+          <a:p>
+            <a:r>
+              <a:rPr lang="es-419" dirty="0"/>
+              <a:t>Clase. Es un plano o prototipo con los cuales los objetos son creados, es como se define la información para crear los objetos en el programa.		</a:t>
+            </a:r>
+          </a:p>
+        </p:txBody>
+      </p:sp>
+    </p:spTree>
+    <p:extLst>
+      <p:ext uri="{BB962C8B-B14F-4D97-AF65-F5344CB8AC3E}">
+        <p14:creationId xmlns:p14="http://schemas.microsoft.com/office/powerpoint/2010/main" val="31865063"/>
+      </p:ext>
+    </p:extLst>
+  </p:cSld>
+  <p:clrMapOvr>
+    <a:masterClrMapping/>
+  </p:clrMapOvr>
+</p:sld>
+</file>
+
+<file path=ppt/slides/slide6.xml><?xml version="1.0" encoding="utf-8"?>
+<p:sld xmlns:a="http://schemas.openxmlformats.org/drawingml/2006/main" xmlns:r="http://schemas.openxmlformats.org/officeDocument/2006/relationships" xmlns:p="http://schemas.openxmlformats.org/presentationml/2006/main">
+  <p:cSld>
+    <p:spTree>
+      <p:nvGrpSpPr>
+        <p:cNvPr id="1" name=""/>
+        <p:cNvGrpSpPr/>
+        <p:nvPr/>
+      </p:nvGrpSpPr>
+      <p:grpSpPr>
+        <a:xfrm>
+          <a:off x="0" y="0"/>
+          <a:ext cx="0" cy="0"/>
+          <a:chOff x="0" y="0"/>
+          <a:chExt cx="0" cy="0"/>
+        </a:xfrm>
+      </p:grpSpPr>
+      <p:grpSp>
+        <p:nvGrpSpPr>
+          <p:cNvPr id="9" name="Group 8">
+            <a:extLst>
+              <a:ext uri="{FF2B5EF4-FFF2-40B4-BE49-F238E27FC236}">
+                <a16:creationId xmlns:a16="http://schemas.microsoft.com/office/drawing/2014/main" id="{71315106-A7B3-4730-9E6C-5A878C46681B}"/>
+              </a:ext>
+            </a:extLst>
+          </p:cNvPr>
+          <p:cNvGrpSpPr>
+            <a:grpSpLocks noGrp="1" noUngrp="1" noRot="1" noChangeAspect="1" noMove="1" noResize="1"/>
+          </p:cNvGrpSpPr>
+          <p:nvPr>
+            <p:extLst>
+              <p:ext uri="{386F3935-93C4-4BCD-93E2-E3B085C9AB24}">
+                <p16:designElem xmlns:p16="http://schemas.microsoft.com/office/powerpoint/2015/main" val="1"/>
+              </p:ext>
+            </p:extLst>
+          </p:nvPr>
+        </p:nvGrpSpPr>
+        <p:grpSpPr>
+          <a:xfrm>
+            <a:off x="0" y="0"/>
+            <a:ext cx="9144000" cy="6858000"/>
+            <a:chOff x="0" y="0"/>
+            <a:chExt cx="12192000" cy="6858000"/>
+          </a:xfrm>
+        </p:grpSpPr>
+        <p:sp useBgFill="1">
+          <p:nvSpPr>
+            <p:cNvPr id="10" name="Rectangle 9">
+              <a:extLst/>
+            </p:cNvPr>
+            <p:cNvSpPr/>
+            <p:nvPr>
+              <p:extLst>
+                <p:ext uri="{386F3935-93C4-4BCD-93E2-E3B085C9AB24}">
+                  <p16:designElem xmlns:p16="http://schemas.microsoft.com/office/powerpoint/2015/main" val="1"/>
+                </p:ext>
+              </p:extLst>
+            </p:nvPr>
+          </p:nvSpPr>
+          <p:spPr>
+            <a:xfrm>
+              <a:off x="0" y="0"/>
+              <a:ext cx="12192000" cy="6858000"/>
+            </a:xfrm>
+            <a:prstGeom prst="rect">
+              <a:avLst/>
+            </a:prstGeom>
+            <a:ln>
+              <a:noFill/>
+            </a:ln>
+          </p:spPr>
+          <p:style>
+            <a:lnRef idx="2">
+              <a:schemeClr val="accent1">
+                <a:shade val="50000"/>
+              </a:schemeClr>
+            </a:lnRef>
+            <a:fillRef idx="1">
+              <a:schemeClr val="accent1"/>
+            </a:fillRef>
+            <a:effectRef idx="0">
+              <a:schemeClr val="accent1"/>
+            </a:effectRef>
+            <a:fontRef idx="minor">
+              <a:schemeClr val="lt1"/>
+            </a:fontRef>
+          </p:style>
+          <p:txBody>
+            <a:bodyPr rtlCol="0" anchor="ctr"/>
+            <a:lstStyle/>
+            <a:p>
+              <a:pPr algn="ctr"/>
+              <a:endParaRPr lang="en-US"/>
+            </a:p>
+          </p:txBody>
+        </p:sp>
+        <p:grpSp>
+          <p:nvGrpSpPr>
+            <p:cNvPr id="11" name="Group 10">
+              <a:extLst/>
+            </p:cNvPr>
+            <p:cNvGrpSpPr/>
+            <p:nvPr>
+              <p:extLst>
+                <p:ext uri="{386F3935-93C4-4BCD-93E2-E3B085C9AB24}">
+                  <p16:designElem xmlns:p16="http://schemas.microsoft.com/office/powerpoint/2015/main" val="1"/>
+                </p:ext>
+              </p:extLst>
+            </p:nvPr>
+          </p:nvGrpSpPr>
+          <p:grpSpPr>
+            <a:xfrm>
+              <a:off x="0" y="0"/>
+              <a:ext cx="12188825" cy="6856215"/>
+              <a:chOff x="0" y="0"/>
+              <a:chExt cx="12188825" cy="6856215"/>
+            </a:xfrm>
+          </p:grpSpPr>
+          <p:pic>
+            <p:nvPicPr>
+              <p:cNvPr id="12" name="Picture 11">
+                <a:extLst/>
+              </p:cNvPr>
+              <p:cNvPicPr>
+                <a:picLocks noChangeAspect="1"/>
+              </p:cNvPicPr>
+              <p:nvPr>
+                <p:extLst>
+                  <p:ext uri="{386F3935-93C4-4BCD-93E2-E3B085C9AB24}">
+                    <p16:designElem xmlns:p16="http://schemas.microsoft.com/office/powerpoint/2015/main" val="1"/>
+                  </p:ext>
+                </p:extLst>
+              </p:nvPr>
+            </p:nvPicPr>
+            <p:blipFill>
+              <a:blip r:embed="rId2">
+                <a:extLst>
+                  <a:ext uri="{28A0092B-C50C-407E-A947-70E740481C1C}">
+                    <a14:useLocalDpi xmlns:a14="http://schemas.microsoft.com/office/drawing/2010/main" val="0"/>
+                  </a:ext>
+                </a:extLst>
+              </a:blip>
+              <a:stretch>
+                <a:fillRect/>
+              </a:stretch>
+            </p:blipFill>
+            <p:spPr>
+              <a:xfrm>
+                <a:off x="0" y="0"/>
+                <a:ext cx="12188825" cy="6856214"/>
+              </a:xfrm>
+              <a:prstGeom prst="rect">
+                <a:avLst/>
+              </a:prstGeom>
+            </p:spPr>
+          </p:pic>
+          <p:sp>
+            <p:nvSpPr>
+              <p:cNvPr id="13" name="Rectangle 12">
+                <a:extLst/>
+              </p:cNvPr>
+              <p:cNvSpPr/>
+              <p:nvPr>
+                <p:extLst>
+                  <p:ext uri="{386F3935-93C4-4BCD-93E2-E3B085C9AB24}">
+                    <p16:designElem xmlns:p16="http://schemas.microsoft.com/office/powerpoint/2015/main" val="1"/>
+                  </p:ext>
+                </p:extLst>
+              </p:nvPr>
+            </p:nvSpPr>
+            <p:spPr>
+              <a:xfrm>
+                <a:off x="608012" y="609600"/>
+                <a:ext cx="10972800" cy="5638800"/>
+              </a:xfrm>
+              <a:prstGeom prst="rect">
+                <a:avLst/>
+              </a:prstGeom>
+              <a:noFill/>
+              <a:ln w="15875" cap="flat">
+                <a:miter lim="800000"/>
+              </a:ln>
+            </p:spPr>
+            <p:style>
+              <a:lnRef idx="1">
+                <a:schemeClr val="accent1"/>
+              </a:lnRef>
+              <a:fillRef idx="3">
+                <a:schemeClr val="accent1"/>
+              </a:fillRef>
+              <a:effectRef idx="2">
+                <a:schemeClr val="accent1"/>
+              </a:effectRef>
+              <a:fontRef idx="minor">
+                <a:schemeClr val="lt1"/>
+              </a:fontRef>
+            </p:style>
+          </p:sp>
+          <p:pic>
+            <p:nvPicPr>
+              <p:cNvPr id="14" name="Picture 13">
+                <a:extLst/>
+              </p:cNvPr>
+              <p:cNvPicPr>
+                <a:picLocks noChangeAspect="1"/>
+              </p:cNvPicPr>
+              <p:nvPr>
+                <p:extLst>
+                  <p:ext uri="{386F3935-93C4-4BCD-93E2-E3B085C9AB24}">
+                    <p16:designElem xmlns:p16="http://schemas.microsoft.com/office/powerpoint/2015/main" val="1"/>
+                  </p:ext>
+                </p:extLst>
+              </p:nvPr>
+            </p:nvPicPr>
+            <p:blipFill rotWithShape="1">
+              <a:blip r:embed="rId3">
+                <a:extLst>
+                  <a:ext uri="{28A0092B-C50C-407E-A947-70E740481C1C}">
+                    <a14:useLocalDpi xmlns:a14="http://schemas.microsoft.com/office/drawing/2010/main" val="0"/>
+                  </a:ext>
+                </a:extLst>
+              </a:blip>
+              <a:srcRect r="5093"/>
+              <a:stretch/>
+            </p:blipFill>
+            <p:spPr>
+              <a:xfrm rot="5400000">
+                <a:off x="5706471" y="76265"/>
+                <a:ext cx="758952" cy="606425"/>
+              </a:xfrm>
+              <a:prstGeom prst="rect">
+                <a:avLst/>
+              </a:prstGeom>
+            </p:spPr>
+          </p:pic>
+          <p:pic>
+            <p:nvPicPr>
+              <p:cNvPr id="15" name="Picture 14">
+                <a:extLst/>
+              </p:cNvPr>
+              <p:cNvPicPr>
+                <a:picLocks noChangeAspect="1"/>
+              </p:cNvPicPr>
+              <p:nvPr>
+                <p:extLst>
+                  <p:ext uri="{386F3935-93C4-4BCD-93E2-E3B085C9AB24}">
+                    <p16:designElem xmlns:p16="http://schemas.microsoft.com/office/powerpoint/2015/main" val="1"/>
+                  </p:ext>
+                </p:extLst>
+              </p:nvPr>
+            </p:nvPicPr>
+            <p:blipFill rotWithShape="1">
+              <a:blip r:embed="rId3">
+                <a:extLst>
+                  <a:ext uri="{28A0092B-C50C-407E-A947-70E740481C1C}">
+                    <a14:useLocalDpi xmlns:a14="http://schemas.microsoft.com/office/drawing/2010/main" val="0"/>
+                  </a:ext>
+                </a:extLst>
+              </a:blip>
+              <a:srcRect r="5093"/>
+              <a:stretch/>
+            </p:blipFill>
+            <p:spPr>
+              <a:xfrm rot="5400000">
+                <a:off x="5706470" y="6173526"/>
+                <a:ext cx="758952" cy="606425"/>
+              </a:xfrm>
+              <a:prstGeom prst="rect">
+                <a:avLst/>
+              </a:prstGeom>
+            </p:spPr>
+          </p:pic>
+        </p:grpSp>
+      </p:grpSp>
+      <p:cxnSp>
+        <p:nvCxnSpPr>
+          <p:cNvPr id="17" name="Straight Connector 16">
+            <a:extLst>
+              <a:ext uri="{FF2B5EF4-FFF2-40B4-BE49-F238E27FC236}">
+                <a16:creationId xmlns:a16="http://schemas.microsoft.com/office/drawing/2014/main" id="{D2B860ED-0E27-4D8E-B5F4-C8C3F33C7234}"/>
+              </a:ext>
+            </a:extLst>
+          </p:cNvPr>
+          <p:cNvCxnSpPr>
+            <a:cxnSpLocks noGrp="1" noRot="1" noChangeAspect="1" noMove="1" noResize="1" noEditPoints="1" noAdjustHandles="1" noChangeArrowheads="1" noChangeShapeType="1"/>
+          </p:cNvCxnSpPr>
+          <p:nvPr>
+            <p:extLst>
+              <p:ext uri="{386F3935-93C4-4BCD-93E2-E3B085C9AB24}">
+                <p16:designElem xmlns:p16="http://schemas.microsoft.com/office/powerpoint/2015/main" val="1"/>
+              </p:ext>
+            </p:extLst>
+          </p:nvPr>
+        </p:nvCxnSpPr>
+        <p:spPr>
+          <a:xfrm>
+            <a:off x="5640066" y="2400639"/>
+            <a:ext cx="2532381" cy="0"/>
+          </a:xfrm>
+          <a:prstGeom prst="line">
+            <a:avLst/>
+          </a:prstGeom>
+        </p:spPr>
+        <p:style>
+          <a:lnRef idx="2">
+            <a:schemeClr val="accent1"/>
+          </a:lnRef>
+          <a:fillRef idx="0">
+            <a:schemeClr val="accent1"/>
+          </a:fillRef>
+          <a:effectRef idx="1">
+            <a:schemeClr val="accent1"/>
+          </a:effectRef>
+          <a:fontRef idx="minor">
+            <a:schemeClr val="tx1"/>
+          </a:fontRef>
+        </p:style>
+      </p:cxnSp>
+      <p:sp>
+        <p:nvSpPr>
+          <p:cNvPr id="19" name="Rectangle 18">
+            <a:extLst>
+              <a:ext uri="{FF2B5EF4-FFF2-40B4-BE49-F238E27FC236}">
+                <a16:creationId xmlns:a16="http://schemas.microsoft.com/office/drawing/2014/main" id="{E336C991-AA99-423E-8FE1-5BA9C97F2C77}"/>
+              </a:ext>
+            </a:extLst>
+          </p:cNvPr>
+          <p:cNvSpPr>
+            <a:spLocks noGrp="1" noRot="1" noChangeAspect="1" noMove="1" noResize="1" noEditPoints="1" noAdjustHandles="1" noChangeArrowheads="1" noChangeShapeType="1" noTextEdit="1"/>
+          </p:cNvSpPr>
+          <p:nvPr>
+            <p:extLst>
+              <p:ext uri="{386F3935-93C4-4BCD-93E2-E3B085C9AB24}">
+                <p16:designElem xmlns:p16="http://schemas.microsoft.com/office/powerpoint/2015/main" val="1"/>
+              </p:ext>
+            </p:extLst>
+          </p:nvPr>
+        </p:nvSpPr>
+        <p:spPr>
+          <a:xfrm>
+            <a:off x="819482" y="1092200"/>
+            <a:ext cx="4457015" cy="4515104"/>
+          </a:xfrm>
+          <a:prstGeom prst="rect">
+            <a:avLst/>
+          </a:prstGeom>
+          <a:solidFill>
+            <a:schemeClr val="bg1"/>
+          </a:solidFill>
+          <a:ln w="57150" cmpd="thickThin">
+            <a:solidFill>
+              <a:schemeClr val="tx1">
+                <a:lumMod val="50000"/>
+                <a:lumOff val="50000"/>
+              </a:schemeClr>
+            </a:solidFill>
+            <a:miter lim="800000"/>
+          </a:ln>
+        </p:spPr>
+        <p:style>
+          <a:lnRef idx="2">
+            <a:schemeClr val="accent1">
+              <a:shade val="50000"/>
+            </a:schemeClr>
+          </a:lnRef>
+          <a:fillRef idx="1">
+            <a:schemeClr val="accent1"/>
+          </a:fillRef>
+          <a:effectRef idx="0">
+            <a:schemeClr val="accent1"/>
+          </a:effectRef>
+          <a:fontRef idx="minor">
+            <a:schemeClr val="lt1"/>
+          </a:fontRef>
+        </p:style>
+        <p:txBody>
+          <a:bodyPr rtlCol="0" anchor="ctr"/>
+          <a:lstStyle/>
+          <a:p>
+            <a:pPr algn="ctr"/>
+            <a:endParaRPr lang="en-US"/>
+          </a:p>
+        </p:txBody>
+      </p:sp>
+      <p:pic>
+        <p:nvPicPr>
+          <p:cNvPr id="4" name="Picture 3" descr="A screenshot of a cell phone&#10;&#10;Description generated with very high confidence">
+            <a:extLst>
+              <a:ext uri="{FF2B5EF4-FFF2-40B4-BE49-F238E27FC236}">
+                <a16:creationId xmlns:a16="http://schemas.microsoft.com/office/drawing/2014/main" id="{8BE07CA1-34CC-452F-B201-F9D5C731E188}"/>
+              </a:ext>
+            </a:extLst>
+          </p:cNvPr>
+          <p:cNvPicPr>
+            <a:picLocks noChangeAspect="1"/>
+          </p:cNvPicPr>
+          <p:nvPr/>
+        </p:nvPicPr>
+        <p:blipFill rotWithShape="1">
+          <a:blip r:embed="rId4"/>
+          <a:srcRect l="12180" r="15282" b="-1"/>
+          <a:stretch/>
+        </p:blipFill>
+        <p:spPr>
+          <a:xfrm>
+            <a:off x="1059512" y="1410208"/>
+            <a:ext cx="3959083" cy="3858780"/>
+          </a:xfrm>
+          <a:prstGeom prst="rect">
+            <a:avLst/>
+          </a:prstGeom>
+        </p:spPr>
+      </p:pic>
+      <p:sp>
+        <p:nvSpPr>
+          <p:cNvPr id="2" name="Title 1">
+            <a:extLst>
+              <a:ext uri="{FF2B5EF4-FFF2-40B4-BE49-F238E27FC236}">
+                <a16:creationId xmlns:a16="http://schemas.microsoft.com/office/drawing/2014/main" id="{DEC26637-BA80-40E7-9B93-61B635B143BE}"/>
+              </a:ext>
+            </a:extLst>
+          </p:cNvPr>
+          <p:cNvSpPr>
+            <a:spLocks noGrp="1"/>
+          </p:cNvSpPr>
+          <p:nvPr>
+            <p:ph type="title"/>
+          </p:nvPr>
+        </p:nvSpPr>
+        <p:spPr>
+          <a:xfrm>
+            <a:off x="5651868" y="982132"/>
+            <a:ext cx="2520579" cy="1303867"/>
+          </a:xfrm>
+        </p:spPr>
+        <p:txBody>
+          <a:bodyPr>
+            <a:normAutofit/>
+          </a:bodyPr>
+          <a:lstStyle/>
+          <a:p>
+            <a:pPr>
+              <a:lnSpc>
+                <a:spcPct val="90000"/>
+              </a:lnSpc>
+            </a:pPr>
+            <a:r>
+              <a:rPr lang="es-419" sz="3700"/>
+              <a:t>Abstracción</a:t>
+            </a:r>
+          </a:p>
+        </p:txBody>
+      </p:sp>
+      <p:sp>
+        <p:nvSpPr>
+          <p:cNvPr id="3" name="Content Placeholder 2">
+            <a:extLst>
+              <a:ext uri="{FF2B5EF4-FFF2-40B4-BE49-F238E27FC236}">
+                <a16:creationId xmlns:a16="http://schemas.microsoft.com/office/drawing/2014/main" id="{9EB62F96-0CFA-4B0F-B4D8-DF8A0B03DE49}"/>
+              </a:ext>
+            </a:extLst>
+          </p:cNvPr>
+          <p:cNvSpPr>
+            <a:spLocks noGrp="1"/>
+          </p:cNvSpPr>
+          <p:nvPr>
+            <p:ph idx="1"/>
+          </p:nvPr>
+        </p:nvSpPr>
+        <p:spPr>
+          <a:xfrm>
+            <a:off x="5651868" y="2556932"/>
+            <a:ext cx="2520578" cy="3318936"/>
+          </a:xfrm>
+        </p:spPr>
+        <p:txBody>
+          <a:bodyPr>
+            <a:normAutofit/>
+          </a:bodyPr>
+          <a:lstStyle/>
+          <a:p>
+            <a:r>
+              <a:rPr lang="es-419" dirty="0"/>
+              <a:t>Denota las características esenciales de un objeto, donde se capturan sus comportamientos.</a:t>
+            </a:r>
+          </a:p>
+        </p:txBody>
+      </p:sp>
+      <p:sp>
+        <p:nvSpPr>
+          <p:cNvPr id="5" name="TextBox 4">
+            <a:extLst>
+              <a:ext uri="{FF2B5EF4-FFF2-40B4-BE49-F238E27FC236}">
+                <a16:creationId xmlns:a16="http://schemas.microsoft.com/office/drawing/2014/main" id="{F9EE9808-A520-4361-B4D9-46ACAC0E6250}"/>
+              </a:ext>
+            </a:extLst>
+          </p:cNvPr>
+          <p:cNvSpPr txBox="1"/>
+          <p:nvPr/>
+        </p:nvSpPr>
+        <p:spPr>
+          <a:xfrm>
+            <a:off x="1059511" y="5767754"/>
+            <a:ext cx="2905819" cy="369332"/>
+          </a:xfrm>
+          <a:prstGeom prst="rect">
+            <a:avLst/>
+          </a:prstGeom>
+          <a:noFill/>
+        </p:spPr>
+        <p:txBody>
+          <a:bodyPr wrap="square" rtlCol="0">
+            <a:spAutoFit/>
+          </a:bodyPr>
+          <a:lstStyle/>
+          <a:p>
+            <a:r>
+              <a:rPr lang="es-419" dirty="0"/>
+              <a:t>Definición de una clase C++</a:t>
+            </a:r>
+          </a:p>
+        </p:txBody>
+      </p:sp>
+    </p:spTree>
+    <p:extLst>
+      <p:ext uri="{BB962C8B-B14F-4D97-AF65-F5344CB8AC3E}">
+        <p14:creationId xmlns:p14="http://schemas.microsoft.com/office/powerpoint/2010/main" val="2510816066"/>
+      </p:ext>
+    </p:extLst>
+  </p:cSld>
+  <p:clrMapOvr>
+    <a:masterClrMapping/>
+  </p:clrMapOvr>
+</p:sld>
+</file>
+
+<file path=ppt/slides/slide7.xml><?xml version="1.0" encoding="utf-8"?>
+<p:sld xmlns:a="http://schemas.openxmlformats.org/drawingml/2006/main" xmlns:r="http://schemas.openxmlformats.org/officeDocument/2006/relationships" xmlns:p="http://schemas.openxmlformats.org/presentationml/2006/main">
+  <p:cSld>
+    <p:spTree>
+      <p:nvGrpSpPr>
+        <p:cNvPr id="1" name=""/>
+        <p:cNvGrpSpPr/>
+        <p:nvPr/>
+      </p:nvGrpSpPr>
+      <p:grpSpPr>
+        <a:xfrm>
+          <a:off x="0" y="0"/>
+          <a:ext cx="0" cy="0"/>
+          <a:chOff x="0" y="0"/>
+          <a:chExt cx="0" cy="0"/>
+        </a:xfrm>
+      </p:grpSpPr>
+      <p:sp>
+        <p:nvSpPr>
+          <p:cNvPr id="2" name="Title 1">
+            <a:extLst>
+              <a:ext uri="{FF2B5EF4-FFF2-40B4-BE49-F238E27FC236}">
+                <a16:creationId xmlns:a16="http://schemas.microsoft.com/office/drawing/2014/main" id="{E68CBC47-278D-4B1F-976E-9BBC836749C9}"/>
+              </a:ext>
+            </a:extLst>
+          </p:cNvPr>
+          <p:cNvSpPr>
+            <a:spLocks noGrp="1"/>
+          </p:cNvSpPr>
+          <p:nvPr>
+            <p:ph type="title"/>
+          </p:nvPr>
+        </p:nvSpPr>
+        <p:spPr>
+          <a:xfrm>
+            <a:off x="1176866" y="915337"/>
+            <a:ext cx="6798734" cy="1303867"/>
+          </a:xfrm>
+        </p:spPr>
+        <p:txBody>
+          <a:bodyPr/>
+          <a:lstStyle/>
+          <a:p>
+            <a:r>
+              <a:rPr lang="en-US"/>
+              <a:t>Herencia</a:t>
+            </a:r>
+            <a:endParaRPr lang="es-419" dirty="0"/>
+          </a:p>
+        </p:txBody>
+      </p:sp>
+      <p:sp>
+        <p:nvSpPr>
+          <p:cNvPr id="3" name="Content Placeholder 2">
+            <a:extLst>
+              <a:ext uri="{FF2B5EF4-FFF2-40B4-BE49-F238E27FC236}">
+                <a16:creationId xmlns:a16="http://schemas.microsoft.com/office/drawing/2014/main" id="{BECB111A-FF01-4D65-BCB3-BF5E9BD9C07F}"/>
+              </a:ext>
+            </a:extLst>
+          </p:cNvPr>
+          <p:cNvSpPr>
+            <a:spLocks noGrp="1"/>
+          </p:cNvSpPr>
+          <p:nvPr>
+            <p:ph idx="1"/>
+          </p:nvPr>
+        </p:nvSpPr>
+        <p:spPr>
+          <a:xfrm>
+            <a:off x="1176865" y="2490135"/>
+            <a:ext cx="6798736" cy="3444997"/>
+          </a:xfrm>
+        </p:spPr>
+        <p:txBody>
+          <a:bodyPr/>
+          <a:lstStyle/>
+          <a:p>
+            <a:r>
+              <a:rPr lang="es-419"/>
+              <a:t>Herencia de la clase A a la clase B, es la facilidad mediante la cual la clase B hereda en ella cada uno de los atributos y operaciones de A</a:t>
+            </a:r>
+            <a:endParaRPr lang="es-419" dirty="0"/>
+          </a:p>
+        </p:txBody>
+      </p:sp>
+      <p:pic>
+        <p:nvPicPr>
+          <p:cNvPr id="6" name="Picture 5" descr="A screenshot of a social media post&#10;&#10;Description generated with very high confidence">
+            <a:extLst>
+              <a:ext uri="{FF2B5EF4-FFF2-40B4-BE49-F238E27FC236}">
+                <a16:creationId xmlns:a16="http://schemas.microsoft.com/office/drawing/2014/main" id="{08686590-64B7-4C5A-98BF-4D051DA9D428}"/>
+              </a:ext>
+            </a:extLst>
+          </p:cNvPr>
+          <p:cNvPicPr>
+            <a:picLocks noChangeAspect="1"/>
+          </p:cNvPicPr>
+          <p:nvPr/>
+        </p:nvPicPr>
+        <p:blipFill rotWithShape="1">
+          <a:blip r:embed="rId2"/>
+          <a:srcRect t="-308" r="8042" b="69538"/>
+          <a:stretch/>
+        </p:blipFill>
+        <p:spPr>
+          <a:xfrm>
+            <a:off x="900113" y="3719146"/>
+            <a:ext cx="6142526" cy="1966788"/>
+          </a:xfrm>
+          <a:prstGeom prst="rect">
+            <a:avLst/>
+          </a:prstGeom>
+        </p:spPr>
+      </p:pic>
+      <p:sp>
+        <p:nvSpPr>
+          <p:cNvPr id="7" name="TextBox 6">
+            <a:extLst>
+              <a:ext uri="{FF2B5EF4-FFF2-40B4-BE49-F238E27FC236}">
+                <a16:creationId xmlns:a16="http://schemas.microsoft.com/office/drawing/2014/main" id="{44EBD5F7-2831-4969-93BB-5F467FE8FEC2}"/>
+              </a:ext>
+            </a:extLst>
+          </p:cNvPr>
+          <p:cNvSpPr txBox="1"/>
+          <p:nvPr/>
+        </p:nvSpPr>
+        <p:spPr>
+          <a:xfrm>
+            <a:off x="1705708" y="5750466"/>
+            <a:ext cx="2286000" cy="369332"/>
+          </a:xfrm>
+          <a:prstGeom prst="rect">
+            <a:avLst/>
+          </a:prstGeom>
+          <a:noFill/>
+        </p:spPr>
+        <p:txBody>
+          <a:bodyPr wrap="square" rtlCol="0">
+            <a:spAutoFit/>
+          </a:bodyPr>
+          <a:lstStyle/>
+          <a:p>
+            <a:r>
+              <a:rPr lang="es-419" dirty="0"/>
+              <a:t>Herencia en Java</a:t>
+            </a:r>
+          </a:p>
+        </p:txBody>
+      </p:sp>
+    </p:spTree>
+    <p:extLst>
+      <p:ext uri="{BB962C8B-B14F-4D97-AF65-F5344CB8AC3E}">
+        <p14:creationId xmlns:p14="http://schemas.microsoft.com/office/powerpoint/2010/main" val="491920974"/>
+      </p:ext>
+    </p:extLst>
+  </p:cSld>
+  <p:clrMapOvr>
+    <a:masterClrMapping/>
+  </p:clrMapOvr>
+</p:sld>
+</file>
+
+<file path=ppt/slides/slide8.xml><?xml version="1.0" encoding="utf-8"?>
+<p:sld xmlns:a="http://schemas.openxmlformats.org/drawingml/2006/main" xmlns:r="http://schemas.openxmlformats.org/officeDocument/2006/relationships" xmlns:p="http://schemas.openxmlformats.org/presentationml/2006/main">
+  <p:cSld>
+    <p:spTree>
+      <p:nvGrpSpPr>
+        <p:cNvPr id="1" name=""/>
+        <p:cNvGrpSpPr/>
+        <p:nvPr/>
+      </p:nvGrpSpPr>
+      <p:grpSpPr>
+        <a:xfrm>
+          <a:off x="0" y="0"/>
+          <a:ext cx="0" cy="0"/>
+          <a:chOff x="0" y="0"/>
+          <a:chExt cx="0" cy="0"/>
+        </a:xfrm>
+      </p:grpSpPr>
+      <p:sp>
+        <p:nvSpPr>
+          <p:cNvPr id="2" name="Title 1">
+            <a:extLst>
+              <a:ext uri="{FF2B5EF4-FFF2-40B4-BE49-F238E27FC236}">
+                <a16:creationId xmlns:a16="http://schemas.microsoft.com/office/drawing/2014/main" id="{D43C1835-8E0E-4D44-8CD6-BD791B0514DA}"/>
+              </a:ext>
+            </a:extLst>
+          </p:cNvPr>
+          <p:cNvSpPr>
+            <a:spLocks noGrp="1"/>
+          </p:cNvSpPr>
+          <p:nvPr>
+            <p:ph type="title"/>
+          </p:nvPr>
+        </p:nvSpPr>
+        <p:spPr/>
+        <p:txBody>
+          <a:bodyPr/>
+          <a:lstStyle/>
+          <a:p>
+            <a:r>
+              <a:rPr lang="es-419" dirty="0"/>
+              <a:t>Colector de Basura</a:t>
+            </a:r>
+          </a:p>
+        </p:txBody>
+      </p:sp>
+      <p:sp>
+        <p:nvSpPr>
+          <p:cNvPr id="3" name="Content Placeholder 2">
+            <a:extLst>
+              <a:ext uri="{FF2B5EF4-FFF2-40B4-BE49-F238E27FC236}">
+                <a16:creationId xmlns:a16="http://schemas.microsoft.com/office/drawing/2014/main" id="{300CC545-AE1D-4210-863D-0ED159A07700}"/>
+              </a:ext>
+            </a:extLst>
+          </p:cNvPr>
+          <p:cNvSpPr>
+            <a:spLocks noGrp="1"/>
+          </p:cNvSpPr>
+          <p:nvPr>
+            <p:ph idx="1"/>
+          </p:nvPr>
+        </p:nvSpPr>
+        <p:spPr/>
+        <p:txBody>
+          <a:bodyPr/>
+          <a:lstStyle/>
+          <a:p>
+            <a:r>
+              <a:rPr lang="es-419" dirty="0"/>
+              <a:t>Técnica por la cual el entorno de objetos se encarga de destruir automáticamente, y por tanto desvincular la memoria asociada, los objetos que hayan quedado sin ninguna referencia a ellos. </a:t>
+            </a:r>
+          </a:p>
+        </p:txBody>
+      </p:sp>
+    </p:spTree>
+    <p:extLst>
+      <p:ext uri="{BB962C8B-B14F-4D97-AF65-F5344CB8AC3E}">
+        <p14:creationId xmlns:p14="http://schemas.microsoft.com/office/powerpoint/2010/main" val="1913120472"/>
+      </p:ext>
+    </p:extLst>
+  </p:cSld>
+  <p:clrMapOvr>
+    <a:masterClrMapping/>
+  </p:clrMapOvr>
+</p:sld>
+</file>
+
+<file path=ppt/slides/slide9.xml><?xml version="1.0" encoding="utf-8"?>
+<p:sld xmlns:a="http://schemas.openxmlformats.org/drawingml/2006/main" xmlns:r="http://schemas.openxmlformats.org/officeDocument/2006/relationships" xmlns:p="http://schemas.openxmlformats.org/presentationml/2006/main">
+  <p:cSld>
+    <p:spTree>
+      <p:nvGrpSpPr>
+        <p:cNvPr id="1" name=""/>
+        <p:cNvGrpSpPr/>
+        <p:nvPr/>
+      </p:nvGrpSpPr>
+      <p:grpSpPr>
+        <a:xfrm>
+          <a:off x="0" y="0"/>
+          <a:ext cx="0" cy="0"/>
+          <a:chOff x="0" y="0"/>
+          <a:chExt cx="0" cy="0"/>
+        </a:xfrm>
+      </p:grpSpPr>
+      <p:sp>
+        <p:nvSpPr>
+          <p:cNvPr id="2" name="Title 1">
+            <a:extLst>
+              <a:ext uri="{FF2B5EF4-FFF2-40B4-BE49-F238E27FC236}">
+                <a16:creationId xmlns:a16="http://schemas.microsoft.com/office/drawing/2014/main" id="{F89DA492-EC80-467B-AAA9-8F4660A5C881}"/>
+              </a:ext>
+            </a:extLst>
+          </p:cNvPr>
+          <p:cNvSpPr>
+            <a:spLocks noGrp="1"/>
+          </p:cNvSpPr>
+          <p:nvPr>
+            <p:ph type="title"/>
+          </p:nvPr>
+        </p:nvSpPr>
+        <p:spPr/>
+        <p:txBody>
+          <a:bodyPr/>
+          <a:lstStyle/>
+          <a:p>
+            <a:r>
+              <a:rPr lang="en-US" dirty="0"/>
+              <a:t>Colas</a:t>
+            </a:r>
+            <a:endParaRPr lang="es-419" dirty="0"/>
+          </a:p>
+        </p:txBody>
+      </p:sp>
+      <p:sp>
+        <p:nvSpPr>
+          <p:cNvPr id="3" name="Text Placeholder 2">
+            <a:extLst>
+              <a:ext uri="{FF2B5EF4-FFF2-40B4-BE49-F238E27FC236}">
+                <a16:creationId xmlns:a16="http://schemas.microsoft.com/office/drawing/2014/main" id="{6848F92F-73E7-4A27-BB2E-7AFB21DECF21}"/>
+              </a:ext>
+            </a:extLst>
+          </p:cNvPr>
+          <p:cNvSpPr>
+            <a:spLocks noGrp="1"/>
+          </p:cNvSpPr>
+          <p:nvPr>
+            <p:ph type="body" idx="1"/>
+          </p:nvPr>
+        </p:nvSpPr>
+        <p:spPr/>
+        <p:txBody>
+          <a:bodyPr/>
+          <a:lstStyle/>
+          <a:p>
+            <a:endParaRPr lang="es-419"/>
+          </a:p>
+        </p:txBody>
+      </p:sp>
+    </p:spTree>
+    <p:extLst>
+      <p:ext uri="{BB962C8B-B14F-4D97-AF65-F5344CB8AC3E}">
+        <p14:creationId xmlns:p14="http://schemas.microsoft.com/office/powerpoint/2010/main" val="3048951689"/>
+      </p:ext>
+    </p:extLst>
+  </p:cSld>
+  <p:clrMapOvr>
+    <a:masterClrMapping/>
+  </p:clrMapOvr>
+</p:sld>
+</file>
+
 <file path=ppt/theme/theme1.xml><?xml version="1.0" encoding="utf-8"?>
 <a:theme xmlns:a="http://schemas.openxmlformats.org/drawingml/2006/main" name="Organic">
   <a:themeElements>
